--- a/Object Oriented Python.pptx
+++ b/Object Oriented Python.pptx
@@ -9,8 +9,8 @@
     <p:sldId id="258" r:id="rId3"/>
     <p:sldId id="259" r:id="rId4"/>
     <p:sldId id="272" r:id="rId5"/>
-    <p:sldId id="274" r:id="rId6"/>
-    <p:sldId id="275" r:id="rId7"/>
+    <p:sldId id="275" r:id="rId6"/>
+    <p:sldId id="274" r:id="rId7"/>
     <p:sldId id="268" r:id="rId8"/>
     <p:sldId id="270" r:id="rId9"/>
     <p:sldId id="271" r:id="rId10"/>
@@ -278,7 +278,7 @@
               <a:pPr>
                 <a:defRPr/>
               </a:pPr>
-              <a:t>1/27/19</a:t>
+              <a:t>1/29/19</a:t>
             </a:fld>
             <a:endParaRPr lang="en-US" altLang="en-US"/>
           </a:p>
@@ -463,7 +463,7 @@
               <a:pPr>
                 <a:defRPr/>
               </a:pPr>
-              <a:t>1/27/19</a:t>
+              <a:t>1/29/19</a:t>
             </a:fld>
             <a:endParaRPr lang="en-US" altLang="en-US"/>
           </a:p>
@@ -4250,131 +4250,6 @@
       </p:grpSpPr>
       <p:sp>
         <p:nvSpPr>
-          <p:cNvPr id="15361" name="Title 1">
-            <a:extLst>
-              <a:ext uri="{FF2B5EF4-FFF2-40B4-BE49-F238E27FC236}">
-                <a16:creationId xmlns:a16="http://schemas.microsoft.com/office/drawing/2014/main" id="{C59B5AE2-FD5E-AC46-9BD6-3E5C5EB718AE}"/>
-              </a:ext>
-            </a:extLst>
-          </p:cNvPr>
-          <p:cNvSpPr>
-            <a:spLocks noGrp="1"/>
-          </p:cNvSpPr>
-          <p:nvPr>
-            <p:ph type="title"/>
-          </p:nvPr>
-        </p:nvSpPr>
-        <p:spPr>
-          <a:xfrm>
-            <a:off x="263525" y="0"/>
-            <a:ext cx="5200650" cy="857250"/>
-          </a:xfrm>
-        </p:spPr>
-        <p:txBody>
-          <a:bodyPr/>
-          <a:lstStyle/>
-          <a:p>
-            <a:r>
-              <a:rPr lang="en-US" altLang="en-US" sz="2800">
-                <a:solidFill>
-                  <a:srgbClr val="0C223F"/>
-                </a:solidFill>
-                <a:latin typeface="GalaxiePolaris-Bold" charset="0"/>
-                <a:ea typeface="ＭＳ Ｐゴシック" panose="020B0600070205080204" pitchFamily="34" charset="-128"/>
-                <a:cs typeface="GalaxiePolaris-Bold" charset="0"/>
-              </a:rPr>
-              <a:t>Comparison</a:t>
-            </a:r>
-          </a:p>
-        </p:txBody>
-      </p:sp>
-      <p:pic>
-        <p:nvPicPr>
-          <p:cNvPr id="15362" name="Picture 3">
-            <a:extLst>
-              <a:ext uri="{FF2B5EF4-FFF2-40B4-BE49-F238E27FC236}">
-                <a16:creationId xmlns:a16="http://schemas.microsoft.com/office/drawing/2014/main" id="{47225788-1213-8A4A-B88E-6DDB1C60167C}"/>
-              </a:ext>
-            </a:extLst>
-          </p:cNvPr>
-          <p:cNvPicPr>
-            <a:picLocks noChangeAspect="1" noChangeArrowheads="1"/>
-          </p:cNvPicPr>
-          <p:nvPr/>
-        </p:nvPicPr>
-        <p:blipFill>
-          <a:blip r:embed="rId2">
-            <a:extLst>
-              <a:ext uri="{28A0092B-C50C-407E-A947-70E740481C1C}">
-                <a14:useLocalDpi xmlns:a14="http://schemas.microsoft.com/office/drawing/2010/main" val="0"/>
-              </a:ext>
-            </a:extLst>
-          </a:blip>
-          <a:srcRect l="-514" r="-2"/>
-          <a:stretch>
-            <a:fillRect/>
-          </a:stretch>
-        </p:blipFill>
-        <p:spPr bwMode="auto">
-          <a:xfrm>
-            <a:off x="757238" y="954088"/>
-            <a:ext cx="7629525" cy="3657600"/>
-          </a:xfrm>
-          <a:prstGeom prst="rect">
-            <a:avLst/>
-          </a:prstGeom>
-          <a:noFill/>
-          <a:ln>
-            <a:noFill/>
-          </a:ln>
-          <a:extLst>
-            <a:ext uri="{909E8E84-426E-40DD-AFC4-6F175D3DCCD1}">
-              <a14:hiddenFill xmlns:a14="http://schemas.microsoft.com/office/drawing/2010/main">
-                <a:solidFill>
-                  <a:srgbClr val="FFFFFF"/>
-                </a:solidFill>
-              </a14:hiddenFill>
-            </a:ext>
-            <a:ext uri="{91240B29-F687-4F45-9708-019B960494DF}">
-              <a14:hiddenLine xmlns:a14="http://schemas.microsoft.com/office/drawing/2010/main" w="9525">
-                <a:solidFill>
-                  <a:srgbClr val="000000"/>
-                </a:solidFill>
-                <a:miter lim="800000"/>
-                <a:headEnd/>
-                <a:tailEnd/>
-              </a14:hiddenLine>
-            </a:ext>
-          </a:extLst>
-        </p:spPr>
-      </p:pic>
-    </p:spTree>
-  </p:cSld>
-  <p:clrMapOvr>
-    <a:masterClrMapping/>
-  </p:clrMapOvr>
-</p:sld>
-</file>
-
-<file path=ppt/slides/slide6.xml><?xml version="1.0" encoding="utf-8"?>
-<p:sld xmlns:a="http://schemas.openxmlformats.org/drawingml/2006/main" xmlns:r="http://schemas.openxmlformats.org/officeDocument/2006/relationships" xmlns:p="http://schemas.openxmlformats.org/presentationml/2006/main">
-  <p:cSld>
-    <p:spTree>
-      <p:nvGrpSpPr>
-        <p:cNvPr id="1" name=""/>
-        <p:cNvGrpSpPr/>
-        <p:nvPr/>
-      </p:nvGrpSpPr>
-      <p:grpSpPr>
-        <a:xfrm>
-          <a:off x="0" y="0"/>
-          <a:ext cx="0" cy="0"/>
-          <a:chOff x="0" y="0"/>
-          <a:chExt cx="0" cy="0"/>
-        </a:xfrm>
-      </p:grpSpPr>
-      <p:sp>
-        <p:nvSpPr>
           <p:cNvPr id="16385" name="Title 1">
             <a:extLst>
               <a:ext uri="{FF2B5EF4-FFF2-40B4-BE49-F238E27FC236}">
@@ -4504,6 +4379,131 @@
           <a:xfrm>
             <a:off x="2647950" y="4324350"/>
             <a:ext cx="3848100" cy="538163"/>
+          </a:xfrm>
+          <a:prstGeom prst="rect">
+            <a:avLst/>
+          </a:prstGeom>
+          <a:noFill/>
+          <a:ln>
+            <a:noFill/>
+          </a:ln>
+          <a:extLst>
+            <a:ext uri="{909E8E84-426E-40DD-AFC4-6F175D3DCCD1}">
+              <a14:hiddenFill xmlns:a14="http://schemas.microsoft.com/office/drawing/2010/main">
+                <a:solidFill>
+                  <a:srgbClr val="FFFFFF"/>
+                </a:solidFill>
+              </a14:hiddenFill>
+            </a:ext>
+            <a:ext uri="{91240B29-F687-4F45-9708-019B960494DF}">
+              <a14:hiddenLine xmlns:a14="http://schemas.microsoft.com/office/drawing/2010/main" w="9525">
+                <a:solidFill>
+                  <a:srgbClr val="000000"/>
+                </a:solidFill>
+                <a:miter lim="800000"/>
+                <a:headEnd/>
+                <a:tailEnd/>
+              </a14:hiddenLine>
+            </a:ext>
+          </a:extLst>
+        </p:spPr>
+      </p:pic>
+    </p:spTree>
+  </p:cSld>
+  <p:clrMapOvr>
+    <a:masterClrMapping/>
+  </p:clrMapOvr>
+</p:sld>
+</file>
+
+<file path=ppt/slides/slide6.xml><?xml version="1.0" encoding="utf-8"?>
+<p:sld xmlns:a="http://schemas.openxmlformats.org/drawingml/2006/main" xmlns:r="http://schemas.openxmlformats.org/officeDocument/2006/relationships" xmlns:p="http://schemas.openxmlformats.org/presentationml/2006/main">
+  <p:cSld>
+    <p:spTree>
+      <p:nvGrpSpPr>
+        <p:cNvPr id="1" name=""/>
+        <p:cNvGrpSpPr/>
+        <p:nvPr/>
+      </p:nvGrpSpPr>
+      <p:grpSpPr>
+        <a:xfrm>
+          <a:off x="0" y="0"/>
+          <a:ext cx="0" cy="0"/>
+          <a:chOff x="0" y="0"/>
+          <a:chExt cx="0" cy="0"/>
+        </a:xfrm>
+      </p:grpSpPr>
+      <p:sp>
+        <p:nvSpPr>
+          <p:cNvPr id="15361" name="Title 1">
+            <a:extLst>
+              <a:ext uri="{FF2B5EF4-FFF2-40B4-BE49-F238E27FC236}">
+                <a16:creationId xmlns:a16="http://schemas.microsoft.com/office/drawing/2014/main" id="{C59B5AE2-FD5E-AC46-9BD6-3E5C5EB718AE}"/>
+              </a:ext>
+            </a:extLst>
+          </p:cNvPr>
+          <p:cNvSpPr>
+            <a:spLocks noGrp="1"/>
+          </p:cNvSpPr>
+          <p:nvPr>
+            <p:ph type="title"/>
+          </p:nvPr>
+        </p:nvSpPr>
+        <p:spPr>
+          <a:xfrm>
+            <a:off x="263525" y="0"/>
+            <a:ext cx="5200650" cy="857250"/>
+          </a:xfrm>
+        </p:spPr>
+        <p:txBody>
+          <a:bodyPr/>
+          <a:lstStyle/>
+          <a:p>
+            <a:r>
+              <a:rPr lang="en-US" altLang="en-US" sz="2800">
+                <a:solidFill>
+                  <a:srgbClr val="0C223F"/>
+                </a:solidFill>
+                <a:latin typeface="GalaxiePolaris-Bold" charset="0"/>
+                <a:ea typeface="ＭＳ Ｐゴシック" panose="020B0600070205080204" pitchFamily="34" charset="-128"/>
+                <a:cs typeface="GalaxiePolaris-Bold" charset="0"/>
+              </a:rPr>
+              <a:t>Comparison</a:t>
+            </a:r>
+          </a:p>
+        </p:txBody>
+      </p:sp>
+      <p:pic>
+        <p:nvPicPr>
+          <p:cNvPr id="15362" name="Picture 3">
+            <a:extLst>
+              <a:ext uri="{FF2B5EF4-FFF2-40B4-BE49-F238E27FC236}">
+                <a16:creationId xmlns:a16="http://schemas.microsoft.com/office/drawing/2014/main" id="{47225788-1213-8A4A-B88E-6DDB1C60167C}"/>
+              </a:ext>
+            </a:extLst>
+          </p:cNvPr>
+          <p:cNvPicPr>
+            <a:picLocks noChangeAspect="1" noChangeArrowheads="1"/>
+          </p:cNvPicPr>
+          <p:nvPr/>
+        </p:nvPicPr>
+        <p:blipFill>
+          <a:blip r:embed="rId2">
+            <a:extLst>
+              <a:ext uri="{28A0092B-C50C-407E-A947-70E740481C1C}">
+                <a14:useLocalDpi xmlns:a14="http://schemas.microsoft.com/office/drawing/2010/main" val="0"/>
+              </a:ext>
+            </a:extLst>
+          </a:blip>
+          <a:srcRect l="-514" r="-2"/>
+          <a:stretch>
+            <a:fillRect/>
+          </a:stretch>
+        </p:blipFill>
+        <p:spPr bwMode="auto">
+          <a:xfrm>
+            <a:off x="757238" y="954088"/>
+            <a:ext cx="7629525" cy="3657600"/>
           </a:xfrm>
           <a:prstGeom prst="rect">
             <a:avLst/>

--- a/Object Oriented Python.pptx
+++ b/Object Oriented Python.pptx
@@ -278,7 +278,7 @@
               <a:pPr>
                 <a:defRPr/>
               </a:pPr>
-              <a:t>1/29/19</a:t>
+              <a:t>1/31/19</a:t>
             </a:fld>
             <a:endParaRPr lang="en-US" altLang="en-US"/>
           </a:p>
@@ -463,7 +463,7 @@
               <a:pPr>
                 <a:defRPr/>
               </a:pPr>
-              <a:t>1/29/19</a:t>
+              <a:t>1/31/19</a:t>
             </a:fld>
             <a:endParaRPr lang="en-US" altLang="en-US"/>
           </a:p>
